--- a/docs/diagrams/FindContactsByTagsLogic.pptx
+++ b/docs/diagrams/FindContactsByTagsLogic.pptx
@@ -104,6 +104,11 @@
       </a:defRPr>
     </a:lvl9pPr>
   </p:defaultTextStyle>
+  <p:extLst>
+    <p:ext uri="{EFAFB233-063F-42B5-8137-9DF3F51BA10A}">
+      <p15:sldGuideLst xmlns:p15="http://schemas.microsoft.com/office/powerpoint/2012/main"/>
+    </p:ext>
+  </p:extLst>
 </p:presentation>
 </file>
 
@@ -260,7 +265,7 @@
           <a:p>
             <a:fld id="{1A54CE95-9158-4120-AF64-670BA59D47FF}" type="datetimeFigureOut">
               <a:rPr lang="en-SG" smtClean="0"/>
-              <a:t>18/10/2017</a:t>
+              <a:t>11/11/2017</a:t>
             </a:fld>
             <a:endParaRPr lang="en-SG"/>
           </a:p>
@@ -460,7 +465,7 @@
           <a:p>
             <a:fld id="{1A54CE95-9158-4120-AF64-670BA59D47FF}" type="datetimeFigureOut">
               <a:rPr lang="en-SG" smtClean="0"/>
-              <a:t>18/10/2017</a:t>
+              <a:t>11/11/2017</a:t>
             </a:fld>
             <a:endParaRPr lang="en-SG"/>
           </a:p>
@@ -670,7 +675,7 @@
           <a:p>
             <a:fld id="{1A54CE95-9158-4120-AF64-670BA59D47FF}" type="datetimeFigureOut">
               <a:rPr lang="en-SG" smtClean="0"/>
-              <a:t>18/10/2017</a:t>
+              <a:t>11/11/2017</a:t>
             </a:fld>
             <a:endParaRPr lang="en-SG"/>
           </a:p>
@@ -870,7 +875,7 @@
           <a:p>
             <a:fld id="{1A54CE95-9158-4120-AF64-670BA59D47FF}" type="datetimeFigureOut">
               <a:rPr lang="en-SG" smtClean="0"/>
-              <a:t>18/10/2017</a:t>
+              <a:t>11/11/2017</a:t>
             </a:fld>
             <a:endParaRPr lang="en-SG"/>
           </a:p>
@@ -1146,7 +1151,7 @@
           <a:p>
             <a:fld id="{1A54CE95-9158-4120-AF64-670BA59D47FF}" type="datetimeFigureOut">
               <a:rPr lang="en-SG" smtClean="0"/>
-              <a:t>18/10/2017</a:t>
+              <a:t>11/11/2017</a:t>
             </a:fld>
             <a:endParaRPr lang="en-SG"/>
           </a:p>
@@ -1414,7 +1419,7 @@
           <a:p>
             <a:fld id="{1A54CE95-9158-4120-AF64-670BA59D47FF}" type="datetimeFigureOut">
               <a:rPr lang="en-SG" smtClean="0"/>
-              <a:t>18/10/2017</a:t>
+              <a:t>11/11/2017</a:t>
             </a:fld>
             <a:endParaRPr lang="en-SG"/>
           </a:p>
@@ -1829,7 +1834,7 @@
           <a:p>
             <a:fld id="{1A54CE95-9158-4120-AF64-670BA59D47FF}" type="datetimeFigureOut">
               <a:rPr lang="en-SG" smtClean="0"/>
-              <a:t>18/10/2017</a:t>
+              <a:t>11/11/2017</a:t>
             </a:fld>
             <a:endParaRPr lang="en-SG"/>
           </a:p>
@@ -1971,7 +1976,7 @@
           <a:p>
             <a:fld id="{1A54CE95-9158-4120-AF64-670BA59D47FF}" type="datetimeFigureOut">
               <a:rPr lang="en-SG" smtClean="0"/>
-              <a:t>18/10/2017</a:t>
+              <a:t>11/11/2017</a:t>
             </a:fld>
             <a:endParaRPr lang="en-SG"/>
           </a:p>
@@ -2084,7 +2089,7 @@
           <a:p>
             <a:fld id="{1A54CE95-9158-4120-AF64-670BA59D47FF}" type="datetimeFigureOut">
               <a:rPr lang="en-SG" smtClean="0"/>
-              <a:t>18/10/2017</a:t>
+              <a:t>11/11/2017</a:t>
             </a:fld>
             <a:endParaRPr lang="en-SG"/>
           </a:p>
@@ -2397,7 +2402,7 @@
           <a:p>
             <a:fld id="{1A54CE95-9158-4120-AF64-670BA59D47FF}" type="datetimeFigureOut">
               <a:rPr lang="en-SG" smtClean="0"/>
-              <a:t>18/10/2017</a:t>
+              <a:t>11/11/2017</a:t>
             </a:fld>
             <a:endParaRPr lang="en-SG"/>
           </a:p>
@@ -2686,7 +2691,7 @@
           <a:p>
             <a:fld id="{1A54CE95-9158-4120-AF64-670BA59D47FF}" type="datetimeFigureOut">
               <a:rPr lang="en-SG" smtClean="0"/>
-              <a:t>18/10/2017</a:t>
+              <a:t>11/11/2017</a:t>
             </a:fld>
             <a:endParaRPr lang="en-SG"/>
           </a:p>
@@ -2929,7 +2934,7 @@
           <a:p>
             <a:fld id="{1A54CE95-9158-4120-AF64-670BA59D47FF}" type="datetimeFigureOut">
               <a:rPr lang="en-SG" smtClean="0"/>
-              <a:t>18/10/2017</a:t>
+              <a:t>11/11/2017</a:t>
             </a:fld>
             <a:endParaRPr lang="en-SG"/>
           </a:p>
@@ -3360,8 +3365,8 @@
         </p:nvSpPr>
         <p:spPr>
           <a:xfrm>
-            <a:off x="478172" y="260059"/>
-            <a:ext cx="10905689" cy="6541106"/>
+            <a:off x="478173" y="260059"/>
+            <a:ext cx="10628852" cy="5838734"/>
           </a:xfrm>
           <a:prstGeom prst="roundRect">
             <a:avLst>
@@ -3774,14 +3779,13 @@
           <p:cNvCxnSpPr>
             <a:cxnSpLocks/>
             <a:stCxn id="12" idx="0"/>
-            <a:endCxn id="33" idx="0"/>
           </p:cNvCxnSpPr>
           <p:nvPr/>
         </p:nvCxnSpPr>
         <p:spPr>
           <a:xfrm>
             <a:off x="5587408" y="1701784"/>
-            <a:ext cx="14674" cy="4586562"/>
+            <a:ext cx="0" cy="3616836"/>
           </a:xfrm>
           <a:prstGeom prst="line">
             <a:avLst/>
@@ -4124,11 +4128,11 @@
             <a:pPr algn="ctr"/>
             <a:r>
               <a:rPr lang="en-US" dirty="0" err="1"/>
-              <a:t>findtags</a:t>
+              <a:t>parseCommand</a:t>
             </a:r>
             <a:r>
               <a:rPr lang="en-US" dirty="0"/>
-              <a:t> “friends”</a:t>
+              <a:t>()</a:t>
             </a:r>
           </a:p>
         </p:txBody>
@@ -4193,7 +4197,7 @@
         </p:nvSpPr>
         <p:spPr>
           <a:xfrm>
-            <a:off x="5446181" y="6288346"/>
+            <a:off x="5453597" y="5169680"/>
             <a:ext cx="311801" cy="261610"/>
           </a:xfrm>
           <a:prstGeom prst="rect">
@@ -4555,9 +4559,9 @@
           <p:nvPr/>
         </p:nvCxnSpPr>
         <p:spPr>
-          <a:xfrm>
-            <a:off x="7166610" y="2415730"/>
-            <a:ext cx="13715" cy="3592308"/>
+          <a:xfrm flipH="1">
+            <a:off x="7166609" y="2415730"/>
+            <a:ext cx="1" cy="2884755"/>
           </a:xfrm>
           <a:prstGeom prst="line">
             <a:avLst/>
@@ -4866,9 +4870,9 @@
           <p:nvPr/>
         </p:nvCxnSpPr>
         <p:spPr>
-          <a:xfrm>
-            <a:off x="8977476" y="2826843"/>
-            <a:ext cx="13715" cy="3592308"/>
+          <a:xfrm flipH="1">
+            <a:off x="8942063" y="2826843"/>
+            <a:ext cx="35413" cy="2604447"/>
           </a:xfrm>
           <a:prstGeom prst="line">
             <a:avLst/>
@@ -5164,7 +5168,7 @@
         <p:spPr>
           <a:xfrm>
             <a:off x="10353209" y="3208857"/>
-            <a:ext cx="13715" cy="3592308"/>
+            <a:ext cx="11957" cy="2336266"/>
           </a:xfrm>
           <a:prstGeom prst="line">
             <a:avLst/>
@@ -5341,6 +5345,65 @@
           </a:fontRef>
         </p:style>
       </p:cxnSp>
+      <p:sp>
+        <p:nvSpPr>
+          <p:cNvPr id="40" name="TextBox 39">
+            <a:extLst>
+              <a:ext uri="{FF2B5EF4-FFF2-40B4-BE49-F238E27FC236}">
+                <a16:creationId xmlns:a16="http://schemas.microsoft.com/office/drawing/2014/main" id="{C425DCF0-5BB7-4079-BCD4-F78F76EF9FB7}"/>
+              </a:ext>
+            </a:extLst>
+          </p:cNvPr>
+          <p:cNvSpPr txBox="1"/>
+          <p:nvPr/>
+        </p:nvSpPr>
+        <p:spPr>
+          <a:xfrm>
+            <a:off x="8527032" y="3446234"/>
+            <a:ext cx="2296057" cy="369332"/>
+          </a:xfrm>
+          <a:prstGeom prst="rect">
+            <a:avLst/>
+          </a:prstGeom>
+          <a:noFill/>
+        </p:spPr>
+        <p:txBody>
+          <a:bodyPr wrap="square" lIns="0" tIns="0" rIns="0" bIns="0" rtlCol="0">
+            <a:spAutoFit/>
+          </a:bodyPr>
+          <a:lstStyle>
+            <a:defPPr>
+              <a:defRPr lang="en-US"/>
+            </a:defPPr>
+            <a:lvl1pPr algn="r">
+              <a:defRPr sz="1400">
+                <a:solidFill>
+                  <a:srgbClr val="0070C0"/>
+                </a:solidFill>
+              </a:defRPr>
+            </a:lvl1pPr>
+          </a:lstStyle>
+          <a:p>
+            <a:pPr algn="ctr"/>
+            <a:r>
+              <a:rPr lang="en-US" sz="1200" dirty="0" err="1"/>
+              <a:t>updateFiltered</a:t>
+            </a:r>
+            <a:endParaRPr lang="en-US" sz="1200" dirty="0"/>
+          </a:p>
+          <a:p>
+            <a:pPr algn="ctr"/>
+            <a:r>
+              <a:rPr lang="en-US" sz="1200" dirty="0" err="1"/>
+              <a:t>PersonList</a:t>
+            </a:r>
+            <a:r>
+              <a:rPr lang="en-US" sz="1200" dirty="0"/>
+              <a:t>()</a:t>
+            </a:r>
+          </a:p>
+        </p:txBody>
+      </p:sp>
     </p:spTree>
     <p:extLst>
       <p:ext uri="{BB962C8B-B14F-4D97-AF65-F5344CB8AC3E}">
